--- a/Nuclear_Fuel_Performance/NE591_Spring2020/section3/Lec17_oxide_hydride.pptx
+++ b/Nuclear_Fuel_Performance/NE591_Spring2020/section3/Lec17_oxide_hydride.pptx
@@ -324,7 +324,7 @@
             </a:pPr>
             <a:fld id="{D6F3A803-A045-354B-887A-01433CE46FC2}" type="datetime1">
               <a:rPr lang="en-US" smtClean="0"/>
-              <a:t>4/8/20</a:t>
+              <a:t>4/13/20</a:t>
             </a:fld>
             <a:endParaRPr lang="en-US"/>
           </a:p>
@@ -517,7 +517,7 @@
             </a:pPr>
             <a:fld id="{A8B33C1D-C2E2-1049-AA3F-CD6E91052752}" type="datetime1">
               <a:rPr lang="en-US" smtClean="0"/>
-              <a:t>4/8/20</a:t>
+              <a:t>4/13/20</a:t>
             </a:fld>
             <a:endParaRPr lang="en-US"/>
           </a:p>
@@ -719,7 +719,7 @@
             </a:pPr>
             <a:fld id="{2791AD68-B60C-4542-BDDD-2074DE6DE828}" type="datetime1">
               <a:rPr lang="en-US" smtClean="0"/>
-              <a:t>4/8/20</a:t>
+              <a:t>4/13/20</a:t>
             </a:fld>
             <a:endParaRPr lang="en-US"/>
           </a:p>
@@ -918,7 +918,7 @@
             </a:pPr>
             <a:fld id="{C5BD04BF-9DC2-6341-92B2-BD109A2EF3B1}" type="datetime1">
               <a:rPr lang="en-US" smtClean="0"/>
-              <a:t>4/8/20</a:t>
+              <a:t>4/13/20</a:t>
             </a:fld>
             <a:endParaRPr lang="en-US"/>
           </a:p>
@@ -1188,7 +1188,7 @@
             </a:pPr>
             <a:fld id="{FB0FFBC7-3028-644D-986B-D9855CB74B38}" type="datetime1">
               <a:rPr lang="en-US" smtClean="0"/>
-              <a:t>4/8/20</a:t>
+              <a:t>4/13/20</a:t>
             </a:fld>
             <a:endParaRPr lang="en-US"/>
           </a:p>
@@ -1499,7 +1499,7 @@
             </a:pPr>
             <a:fld id="{2C3B8AE4-01F5-CC42-9C62-61BC6528368B}" type="datetime1">
               <a:rPr lang="en-US" smtClean="0"/>
-              <a:t>4/8/20</a:t>
+              <a:t>4/13/20</a:t>
             </a:fld>
             <a:endParaRPr lang="en-US"/>
           </a:p>
@@ -1942,7 +1942,7 @@
             </a:pPr>
             <a:fld id="{77E49314-4A78-2444-9569-44EB70168344}" type="datetime1">
               <a:rPr lang="en-US" smtClean="0"/>
-              <a:t>4/8/20</a:t>
+              <a:t>4/13/20</a:t>
             </a:fld>
             <a:endParaRPr lang="en-US"/>
           </a:p>
@@ -2083,7 +2083,7 @@
             </a:pPr>
             <a:fld id="{5BC22837-4683-B242-B000-BCEE30621787}" type="datetime1">
               <a:rPr lang="en-US" smtClean="0"/>
-              <a:t>4/8/20</a:t>
+              <a:t>4/13/20</a:t>
             </a:fld>
             <a:endParaRPr lang="en-US"/>
           </a:p>
@@ -2202,7 +2202,7 @@
             </a:pPr>
             <a:fld id="{DCDAE926-7EF1-0B40-B57E-417D188A609C}" type="datetime1">
               <a:rPr lang="en-US" smtClean="0"/>
-              <a:t>4/8/20</a:t>
+              <a:t>4/13/20</a:t>
             </a:fld>
             <a:endParaRPr lang="en-US"/>
           </a:p>
@@ -2501,7 +2501,7 @@
             </a:pPr>
             <a:fld id="{518D107B-B9C7-5B41-A168-55258AB95F52}" type="datetime1">
               <a:rPr lang="en-US" smtClean="0"/>
-              <a:t>4/8/20</a:t>
+              <a:t>4/13/20</a:t>
             </a:fld>
             <a:endParaRPr lang="en-US"/>
           </a:p>
@@ -2785,7 +2785,7 @@
             </a:pPr>
             <a:fld id="{3AD92D36-EE82-3142-B011-9831FB5E702F}" type="datetime1">
               <a:rPr lang="en-US" smtClean="0"/>
-              <a:t>4/8/20</a:t>
+              <a:t>4/13/20</a:t>
             </a:fld>
             <a:endParaRPr lang="en-US"/>
           </a:p>
@@ -2926,7 +2926,7 @@
               </a14:hiddenLine>
             </a:ext>
             <a:ext uri="{FAA26D3D-D897-4be2-8F04-BA451C77F1D7}">
-              <ma14:placeholderFlag xmlns:ma14="http://schemas.microsoft.com/office/mac/drawingml/2011/main" xmlns="" val="1"/>
+              <ma14:placeholderFlag xmlns="" xmlns:ma14="http://schemas.microsoft.com/office/mac/drawingml/2011/main" val="1"/>
             </a:ext>
           </a:extLst>
         </p:spPr>
@@ -2994,7 +2994,7 @@
               </a14:hiddenLine>
             </a:ext>
             <a:ext uri="{FAA26D3D-D897-4be2-8F04-BA451C77F1D7}">
-              <ma14:placeholderFlag xmlns:ma14="http://schemas.microsoft.com/office/mac/drawingml/2011/main" xmlns="" val="1"/>
+              <ma14:placeholderFlag xmlns="" xmlns:ma14="http://schemas.microsoft.com/office/mac/drawingml/2011/main" val="1"/>
             </a:ext>
           </a:extLst>
         </p:spPr>
@@ -3090,7 +3090,7 @@
             </a:pPr>
             <a:fld id="{3EE08B4B-7256-494F-A90D-3891BD685F4A}" type="datetime1">
               <a:rPr lang="en-US" smtClean="0"/>
-              <a:t>4/8/20</a:t>
+              <a:t>4/13/20</a:t>
             </a:fld>
             <a:endParaRPr lang="en-US" dirty="0"/>
           </a:p>
@@ -3899,7 +3899,7 @@
         </p:spPr>
         <p:txBody>
           <a:bodyPr>
-            <a:normAutofit lnSpcReduction="10000"/>
+            <a:normAutofit fontScale="92500" lnSpcReduction="20000"/>
           </a:bodyPr>
           <a:lstStyle/>
           <a:p>
@@ -3919,7 +3919,7 @@
           <a:p>
             <a:r>
               <a:rPr lang="en-US" dirty="0"/>
-              <a:t>PBR &lt; 1: the oxide coating layer is too thin, likely broken and provides no protective effect (for example magnesium)</a:t>
+              <a:t>PBR &lt; 1: the oxide coating layer is thin, likely broken and provides no protective effect (for example magnesium)</a:t>
             </a:r>
           </a:p>
           <a:p>
@@ -3932,6 +3932,12 @@
             <a:r>
               <a:rPr lang="en-US" dirty="0"/>
               <a:t>1 &lt; PBR &lt; 2: the oxide coating is passivating and provides a protecting effect against further surface oxidation </a:t>
+            </a:r>
+          </a:p>
+          <a:p>
+            <a:r>
+              <a:rPr lang="en-US" dirty="0"/>
+              <a:t>Passivation refers to a material becoming "passive," that is, less affected or corroded by the environment of future use</a:t>
             </a:r>
           </a:p>
         </p:txBody>
@@ -5185,7 +5191,7 @@
           <a:p>
             <a:r>
               <a:rPr lang="en-US" dirty="0"/>
-              <a:t>Irradiation: Production of radicals through radiolysis; Radiation damage to the metal; Radiation damage to oxide</a:t>
+              <a:t>Irradiation: Radiation damage to the metal; Radiation damage to oxide</a:t>
             </a:r>
           </a:p>
           <a:p>
@@ -6467,7 +6473,7 @@
           <a:graphicData uri="http://schemas.openxmlformats.org/presentationml/2006/ole">
             <mc:AlternateContent xmlns:mc="http://schemas.openxmlformats.org/markup-compatibility/2006">
               <mc:Choice xmlns:v="urn:schemas-microsoft-com:vml" Requires="v">
-                <p:oleObj spid="_x0000_s5127" name="Equation" r:id="rId5" imgW="1524000" imgH="203200" progId="Equation.3">
+                <p:oleObj spid="_x0000_s5133" name="Equation" r:id="rId5" imgW="1524000" imgH="203200" progId="Equation.3">
                   <p:embed/>
                 </p:oleObj>
               </mc:Choice>
@@ -6510,14 +6516,14 @@
                       <a:effectLst/>
                       <a:extLst>
                         <a:ext uri="{909E8E84-426E-40dd-AFC4-6F175D3DCCD1}">
-                          <a14:hiddenFill xmlns:a14="http://schemas.microsoft.com/office/drawing/2010/main" xmlns="">
+                          <a14:hiddenFill xmlns="" xmlns:a14="http://schemas.microsoft.com/office/drawing/2010/main">
                             <a:solidFill>
                               <a:schemeClr val="tx2"/>
                             </a:solidFill>
                           </a14:hiddenFill>
                         </a:ext>
                         <a:ext uri="{91240B29-F687-4f45-9708-019B960494DF}">
-                          <a14:hiddenLine xmlns:a14="http://schemas.microsoft.com/office/drawing/2010/main" xmlns="" w="9525">
+                          <a14:hiddenLine xmlns="" xmlns:a14="http://schemas.microsoft.com/office/drawing/2010/main" w="9525">
                             <a:solidFill>
                               <a:srgbClr val="000000"/>
                             </a:solidFill>
@@ -6527,7 +6533,7 @@
                           </a14:hiddenLine>
                         </a:ext>
                         <a:ext uri="{AF507438-7753-43e0-B8FC-AC1667EBCBE1}">
-                          <a14:hiddenEffects xmlns:a14="http://schemas.microsoft.com/office/drawing/2010/main" xmlns="">
+                          <a14:hiddenEffects xmlns="" xmlns:a14="http://schemas.microsoft.com/office/drawing/2010/main">
                             <a:effectLst>
                               <a:outerShdw blurRad="63500" dist="38099" dir="2700000" algn="ctr" rotWithShape="0">
                                 <a:srgbClr val="000000">
@@ -6677,8 +6683,10 @@
           <a:p>
             <a:pPr lvl="1"/>
             <a:r>
-              <a:rPr lang="en-US" dirty="0"/>
-              <a:t>δ</a:t>
+              <a:rPr lang="en-US" dirty="0">
+                <a:latin typeface="Symbol" pitchFamily="2" charset="2"/>
+              </a:rPr>
+              <a:t>r</a:t>
             </a:r>
             <a:r>
               <a:rPr lang="en-US" baseline="-25000" dirty="0"/>
@@ -6713,11 +6721,11 @@
             </a:r>
             <a:r>
               <a:rPr lang="en-US" baseline="30000" dirty="0"/>
-              <a:t>2 </a:t>
-            </a:r>
-            <a:r>
-              <a:rPr lang="en-US" dirty="0"/>
-              <a:t>(see previous lecture), and thus with an 80 micron layer, weight gain = 14.7*80 = 1176 mg/dm</a:t>
+              <a:t>2  </a:t>
+            </a:r>
+            <a:r>
+              <a:rPr lang="en-US" dirty="0"/>
+              <a:t>and thus with an 80 micron layer, weight gain = 14.7*80 = 1176 mg/dm</a:t>
             </a:r>
             <a:r>
               <a:rPr lang="en-US" baseline="30000" dirty="0"/>
@@ -7017,7 +7025,7 @@
           <a:graphicData uri="http://schemas.openxmlformats.org/presentationml/2006/ole">
             <mc:AlternateContent xmlns:mc="http://schemas.openxmlformats.org/markup-compatibility/2006">
               <mc:Choice xmlns:v="urn:schemas-microsoft-com:vml" Requires="v">
-                <p:oleObj spid="_x0000_s6153" name="Equation" r:id="rId3" imgW="3898900" imgH="635000" progId="Equation.DSMT4">
+                <p:oleObj spid="_x0000_s6165" name="Equation" r:id="rId3" imgW="3898900" imgH="635000" progId="Equation.DSMT4">
                   <p:embed/>
                 </p:oleObj>
               </mc:Choice>
@@ -7095,7 +7103,7 @@
           <a:graphicData uri="http://schemas.openxmlformats.org/presentationml/2006/ole">
             <mc:AlternateContent xmlns:mc="http://schemas.openxmlformats.org/markup-compatibility/2006">
               <mc:Choice xmlns:v="urn:schemas-microsoft-com:vml" Requires="v">
-                <p:oleObj spid="_x0000_s6154" name="Equation" r:id="rId5" imgW="2209800" imgH="1866900" progId="Equation.3">
+                <p:oleObj spid="_x0000_s6166" name="Equation" r:id="rId5" imgW="2209800" imgH="1866900" progId="Equation.3">
                   <p:embed/>
                 </p:oleObj>
               </mc:Choice>
@@ -7222,7 +7230,7 @@
         <p:spPr/>
         <p:txBody>
           <a:bodyPr>
-            <a:normAutofit lnSpcReduction="10000"/>
+            <a:normAutofit fontScale="92500"/>
           </a:bodyPr>
           <a:lstStyle/>
           <a:p>
@@ -7247,20 +7255,20 @@
                 <a:latin typeface="Arial" charset="0"/>
                 <a:cs typeface="Arial" charset="0"/>
               </a:rPr>
-              <a:t>(1)creep down from water pressure; (2)creep out from fuel column; (3)fuel column axial stress</a:t>
+              <a:t>(1) creep down from water pressure; (2) creep out from fuel column; (3) fuel column axial stress</a:t>
             </a:r>
             <a:endParaRPr lang="en-US" dirty="0"/>
           </a:p>
           <a:p>
             <a:r>
               <a:rPr lang="en-US" dirty="0"/>
-              <a:t>Under irradiation, zirconium experiences irradiation induced hardening due to interstitial loops on the prismatic planes</a:t>
-            </a:r>
-          </a:p>
-          <a:p>
-            <a:r>
-              <a:rPr lang="en-US" dirty="0"/>
-              <a:t>Channels form that don’t have loops, resulting in localized deformation</a:t>
+              <a:t>Under irradiation, zirconium experiences irradiation induced hardening due to interstitial loops</a:t>
+            </a:r>
+          </a:p>
+          <a:p>
+            <a:r>
+              <a:rPr lang="en-US" dirty="0"/>
+              <a:t>Dislocation channels form that don’t have loops, resulting in localized deformation</a:t>
             </a:r>
           </a:p>
           <a:p>
@@ -7371,8 +7379,8 @@
           </a:p>
         </p:txBody>
       </p:sp>
-      <mc:AlternateContent xmlns:mc="http://schemas.openxmlformats.org/markup-compatibility/2006">
-        <mc:Choice xmlns:a14="http://schemas.microsoft.com/office/drawing/2010/main" Requires="a14">
+      <mc:AlternateContent xmlns:mc="http://schemas.openxmlformats.org/markup-compatibility/2006" xmlns:a14="http://schemas.microsoft.com/office/drawing/2010/main">
+        <mc:Choice Requires="a14">
           <p:sp>
             <p:nvSpPr>
               <p:cNvPr id="3" name="Content Placeholder 2">
@@ -7535,7 +7543,7 @@
             </p:txBody>
           </p:sp>
         </mc:Choice>
-        <mc:Fallback>
+        <mc:Fallback xmlns="">
           <p:sp>
             <p:nvSpPr>
               <p:cNvPr id="3" name="Content Placeholder 2">
@@ -7642,7 +7650,7 @@
           <a:graphicData uri="http://schemas.openxmlformats.org/presentationml/2006/ole">
             <mc:AlternateContent xmlns:mc="http://schemas.openxmlformats.org/markup-compatibility/2006">
               <mc:Choice xmlns:v="urn:schemas-microsoft-com:vml" Requires="v">
-                <p:oleObj spid="_x0000_s7185" name="Equation" r:id="rId4" imgW="1778000" imgH="279400" progId="Equation.DSMT4">
+                <p:oleObj spid="_x0000_s7209" name="Equation" r:id="rId4" imgW="1778000" imgH="279400" progId="Equation.DSMT4">
                   <p:embed/>
                 </p:oleObj>
               </mc:Choice>
@@ -7684,14 +7692,14 @@
                       </a:ln>
                       <a:extLst>
                         <a:ext uri="{909E8E84-426E-40dd-AFC4-6F175D3DCCD1}">
-                          <a14:hiddenFill xmlns:a14="http://schemas.microsoft.com/office/drawing/2010/main" xmlns="">
+                          <a14:hiddenFill xmlns="" xmlns:a14="http://schemas.microsoft.com/office/drawing/2010/main">
                             <a:solidFill>
                               <a:srgbClr val="FFFFFF"/>
                             </a:solidFill>
                           </a14:hiddenFill>
                         </a:ext>
                         <a:ext uri="{91240B29-F687-4f45-9708-019B960494DF}">
-                          <a14:hiddenLine xmlns:a14="http://schemas.microsoft.com/office/drawing/2010/main" xmlns="" w="9525">
+                          <a14:hiddenLine xmlns="" xmlns:a14="http://schemas.microsoft.com/office/drawing/2010/main" w="9525">
                             <a:solidFill>
                               <a:srgbClr val="000000"/>
                             </a:solidFill>
@@ -7737,7 +7745,7 @@
           <a:graphicData uri="http://schemas.openxmlformats.org/presentationml/2006/ole">
             <mc:AlternateContent xmlns:mc="http://schemas.openxmlformats.org/markup-compatibility/2006">
               <mc:Choice xmlns:v="urn:schemas-microsoft-com:vml" Requires="v">
-                <p:oleObj spid="_x0000_s7186" name="Equation" r:id="rId6" imgW="533169" imgH="431613" progId="Equation.DSMT4">
+                <p:oleObj spid="_x0000_s7210" name="Equation" r:id="rId6" imgW="533169" imgH="431613" progId="Equation.DSMT4">
                   <p:embed/>
                 </p:oleObj>
               </mc:Choice>
@@ -7779,14 +7787,14 @@
                       </a:ln>
                       <a:extLst>
                         <a:ext uri="{909E8E84-426E-40dd-AFC4-6F175D3DCCD1}">
-                          <a14:hiddenFill xmlns:a14="http://schemas.microsoft.com/office/drawing/2010/main" xmlns="">
+                          <a14:hiddenFill xmlns="" xmlns:a14="http://schemas.microsoft.com/office/drawing/2010/main">
                             <a:solidFill>
                               <a:srgbClr val="FFFFFF"/>
                             </a:solidFill>
                           </a14:hiddenFill>
                         </a:ext>
                         <a:ext uri="{91240B29-F687-4f45-9708-019B960494DF}">
-                          <a14:hiddenLine xmlns:a14="http://schemas.microsoft.com/office/drawing/2010/main" xmlns="" w="9525">
+                          <a14:hiddenLine xmlns="" xmlns:a14="http://schemas.microsoft.com/office/drawing/2010/main" w="9525">
                             <a:solidFill>
                               <a:srgbClr val="000000"/>
                             </a:solidFill>
@@ -7832,7 +7840,7 @@
           <a:graphicData uri="http://schemas.openxmlformats.org/presentationml/2006/ole">
             <mc:AlternateContent xmlns:mc="http://schemas.openxmlformats.org/markup-compatibility/2006">
               <mc:Choice xmlns:v="urn:schemas-microsoft-com:vml" Requires="v">
-                <p:oleObj spid="_x0000_s7187" name="Equation" r:id="rId8" imgW="850531" imgH="241195" progId="Equation.DSMT4">
+                <p:oleObj spid="_x0000_s7211" name="Equation" r:id="rId8" imgW="850531" imgH="241195" progId="Equation.DSMT4">
                   <p:embed/>
                 </p:oleObj>
               </mc:Choice>
@@ -7874,14 +7882,14 @@
                       </a:ln>
                       <a:extLst>
                         <a:ext uri="{909E8E84-426E-40dd-AFC4-6F175D3DCCD1}">
-                          <a14:hiddenFill xmlns:a14="http://schemas.microsoft.com/office/drawing/2010/main" xmlns="">
+                          <a14:hiddenFill xmlns="" xmlns:a14="http://schemas.microsoft.com/office/drawing/2010/main">
                             <a:solidFill>
                               <a:srgbClr val="FFFFFF"/>
                             </a:solidFill>
                           </a14:hiddenFill>
                         </a:ext>
                         <a:ext uri="{91240B29-F687-4f45-9708-019B960494DF}">
-                          <a14:hiddenLine xmlns:a14="http://schemas.microsoft.com/office/drawing/2010/main" xmlns="" w="9525">
+                          <a14:hiddenLine xmlns="" xmlns:a14="http://schemas.microsoft.com/office/drawing/2010/main" w="9525">
                             <a:solidFill>
                               <a:srgbClr val="000000"/>
                             </a:solidFill>
@@ -7927,7 +7935,7 @@
           <a:graphicData uri="http://schemas.openxmlformats.org/presentationml/2006/ole">
             <mc:AlternateContent xmlns:mc="http://schemas.openxmlformats.org/markup-compatibility/2006">
               <mc:Choice xmlns:v="urn:schemas-microsoft-com:vml" Requires="v">
-                <p:oleObj spid="_x0000_s7188" name="Equation" r:id="rId10" imgW="1218671" imgH="241195" progId="Equation.3">
+                <p:oleObj spid="_x0000_s7212" name="Equation" r:id="rId10" imgW="1218671" imgH="241195" progId="Equation.3">
                   <p:embed/>
                 </p:oleObj>
               </mc:Choice>
@@ -7969,14 +7977,14 @@
                       </a:ln>
                       <a:extLst>
                         <a:ext uri="{909E8E84-426E-40dd-AFC4-6F175D3DCCD1}">
-                          <a14:hiddenFill xmlns:a14="http://schemas.microsoft.com/office/drawing/2010/main" xmlns="">
+                          <a14:hiddenFill xmlns="" xmlns:a14="http://schemas.microsoft.com/office/drawing/2010/main">
                             <a:solidFill>
                               <a:srgbClr val="FFFFFF"/>
                             </a:solidFill>
                           </a14:hiddenFill>
                         </a:ext>
                         <a:ext uri="{91240B29-F687-4f45-9708-019B960494DF}">
-                          <a14:hiddenLine xmlns:a14="http://schemas.microsoft.com/office/drawing/2010/main" xmlns="" w="9525">
+                          <a14:hiddenLine xmlns="" xmlns:a14="http://schemas.microsoft.com/office/drawing/2010/main" w="9525">
                             <a:solidFill>
                               <a:srgbClr val="000000"/>
                             </a:solidFill>
@@ -8189,14 +8197,14 @@
           <a:effectLst/>
           <a:extLst>
             <a:ext uri="{909E8E84-426E-40dd-AFC4-6F175D3DCCD1}">
-              <a14:hiddenFill xmlns:a14="http://schemas.microsoft.com/office/drawing/2010/main" xmlns="">
+              <a14:hiddenFill xmlns="" xmlns:a14="http://schemas.microsoft.com/office/drawing/2010/main">
                 <a:solidFill>
                   <a:schemeClr val="accent1"/>
                 </a:solidFill>
               </a14:hiddenFill>
             </a:ext>
             <a:ext uri="{91240B29-F687-4f45-9708-019B960494DF}">
-              <a14:hiddenLine xmlns:a14="http://schemas.microsoft.com/office/drawing/2010/main" xmlns="" w="9525">
+              <a14:hiddenLine xmlns="" xmlns:a14="http://schemas.microsoft.com/office/drawing/2010/main" w="9525">
                 <a:solidFill>
                   <a:schemeClr val="tx1"/>
                 </a:solidFill>
@@ -8206,7 +8214,7 @@
               </a14:hiddenLine>
             </a:ext>
             <a:ext uri="{AF507438-7753-43e0-B8FC-AC1667EBCBE1}">
-              <a14:hiddenEffects xmlns:a14="http://schemas.microsoft.com/office/drawing/2010/main" xmlns="">
+              <a14:hiddenEffects xmlns="" xmlns:a14="http://schemas.microsoft.com/office/drawing/2010/main">
                 <a:effectLst>
                   <a:outerShdw blurRad="63500" dist="38099" dir="2700000" algn="ctr" rotWithShape="0">
                     <a:schemeClr val="bg2">
@@ -8363,7 +8371,7 @@
           <a:p>
             <a:r>
               <a:rPr lang="en-US" dirty="0"/>
-              <a:t>Blisters have an elliptic shape, are more localized on the tube external surface and are deeper, usually covering half of the cladding thickness. </a:t>
+              <a:t>Blisters have an elliptic shape, are more localized on the tube external surface and are deeper, usually covering half of the cladding thickness </a:t>
             </a:r>
           </a:p>
         </p:txBody>
@@ -8444,14 +8452,14 @@
           </a:ln>
           <a:extLst>
             <a:ext uri="{909E8E84-426E-40dd-AFC4-6F175D3DCCD1}">
-              <a14:hiddenFill xmlns:a14="http://schemas.microsoft.com/office/drawing/2010/main" xmlns="">
+              <a14:hiddenFill xmlns="" xmlns:a14="http://schemas.microsoft.com/office/drawing/2010/main">
                 <a:solidFill>
                   <a:srgbClr val="FFFFFF"/>
                 </a:solidFill>
               </a14:hiddenFill>
             </a:ext>
             <a:ext uri="{91240B29-F687-4f45-9708-019B960494DF}">
-              <a14:hiddenLine xmlns:a14="http://schemas.microsoft.com/office/drawing/2010/main" xmlns="" w="9525">
+              <a14:hiddenLine xmlns="" xmlns:a14="http://schemas.microsoft.com/office/drawing/2010/main" w="9525">
                 <a:solidFill>
                   <a:srgbClr val="000000"/>
                 </a:solidFill>
@@ -8582,14 +8590,14 @@
           <a:ln/>
           <a:extLst>
             <a:ext uri="{909E8E84-426E-40dd-AFC4-6F175D3DCCD1}">
-              <a14:hiddenFill xmlns:a14="http://schemas.microsoft.com/office/drawing/2010/main" xmlns="">
+              <a14:hiddenFill xmlns="" xmlns:a14="http://schemas.microsoft.com/office/drawing/2010/main">
                 <a:solidFill>
                   <a:srgbClr val="FFFFFF"/>
                 </a:solidFill>
               </a14:hiddenFill>
             </a:ext>
             <a:ext uri="{91240B29-F687-4f45-9708-019B960494DF}">
-              <a14:hiddenLine xmlns:a14="http://schemas.microsoft.com/office/drawing/2010/main" xmlns="" w="9525">
+              <a14:hiddenLine xmlns="" xmlns:a14="http://schemas.microsoft.com/office/drawing/2010/main" w="9525">
                 <a:solidFill>
                   <a:srgbClr val="000000"/>
                 </a:solidFill>
@@ -8789,14 +8797,14 @@
           </a:ln>
           <a:extLst>
             <a:ext uri="{909E8E84-426E-40dd-AFC4-6F175D3DCCD1}">
-              <a14:hiddenFill xmlns:a14="http://schemas.microsoft.com/office/drawing/2010/main" xmlns="">
+              <a14:hiddenFill xmlns="" xmlns:a14="http://schemas.microsoft.com/office/drawing/2010/main">
                 <a:solidFill>
                   <a:srgbClr val="FFFFFF"/>
                 </a:solidFill>
               </a14:hiddenFill>
             </a:ext>
             <a:ext uri="{91240B29-F687-4f45-9708-019B960494DF}">
-              <a14:hiddenLine xmlns:a14="http://schemas.microsoft.com/office/drawing/2010/main" xmlns="" w="9525">
+              <a14:hiddenLine xmlns="" xmlns:a14="http://schemas.microsoft.com/office/drawing/2010/main" w="9525">
                 <a:solidFill>
                   <a:srgbClr val="000000"/>
                 </a:solidFill>
@@ -8851,14 +8859,14 @@
           </a:ln>
           <a:extLst>
             <a:ext uri="{909E8E84-426E-40dd-AFC4-6F175D3DCCD1}">
-              <a14:hiddenFill xmlns:a14="http://schemas.microsoft.com/office/drawing/2010/main" xmlns="">
+              <a14:hiddenFill xmlns="" xmlns:a14="http://schemas.microsoft.com/office/drawing/2010/main">
                 <a:solidFill>
                   <a:srgbClr val="FFFFFF"/>
                 </a:solidFill>
               </a14:hiddenFill>
             </a:ext>
             <a:ext uri="{91240B29-F687-4f45-9708-019B960494DF}">
-              <a14:hiddenLine xmlns:a14="http://schemas.microsoft.com/office/drawing/2010/main" xmlns="" w="9525">
+              <a14:hiddenLine xmlns="" xmlns:a14="http://schemas.microsoft.com/office/drawing/2010/main" w="9525">
                 <a:solidFill>
                   <a:srgbClr val="000000"/>
                 </a:solidFill>
@@ -8913,14 +8921,14 @@
           </a:ln>
           <a:extLst>
             <a:ext uri="{909E8E84-426E-40dd-AFC4-6F175D3DCCD1}">
-              <a14:hiddenFill xmlns:a14="http://schemas.microsoft.com/office/drawing/2010/main" xmlns="">
+              <a14:hiddenFill xmlns="" xmlns:a14="http://schemas.microsoft.com/office/drawing/2010/main">
                 <a:solidFill>
                   <a:srgbClr val="FFFFFF"/>
                 </a:solidFill>
               </a14:hiddenFill>
             </a:ext>
             <a:ext uri="{91240B29-F687-4f45-9708-019B960494DF}">
-              <a14:hiddenLine xmlns:a14="http://schemas.microsoft.com/office/drawing/2010/main" xmlns="" w="9525">
+              <a14:hiddenLine xmlns="" xmlns:a14="http://schemas.microsoft.com/office/drawing/2010/main" w="9525">
                 <a:solidFill>
                   <a:srgbClr val="000000"/>
                 </a:solidFill>
@@ -8975,14 +8983,14 @@
           </a:ln>
           <a:extLst>
             <a:ext uri="{909E8E84-426E-40dd-AFC4-6F175D3DCCD1}">
-              <a14:hiddenFill xmlns:a14="http://schemas.microsoft.com/office/drawing/2010/main" xmlns="">
+              <a14:hiddenFill xmlns="" xmlns:a14="http://schemas.microsoft.com/office/drawing/2010/main">
                 <a:solidFill>
                   <a:srgbClr val="FFFFFF"/>
                 </a:solidFill>
               </a14:hiddenFill>
             </a:ext>
             <a:ext uri="{91240B29-F687-4f45-9708-019B960494DF}">
-              <a14:hiddenLine xmlns:a14="http://schemas.microsoft.com/office/drawing/2010/main" xmlns="" w="9525">
+              <a14:hiddenLine xmlns="" xmlns:a14="http://schemas.microsoft.com/office/drawing/2010/main" w="9525">
                 <a:solidFill>
                   <a:srgbClr val="000000"/>
                 </a:solidFill>
@@ -9023,14 +9031,14 @@
           <a:effectLst/>
           <a:extLst>
             <a:ext uri="{909E8E84-426E-40dd-AFC4-6F175D3DCCD1}">
-              <a14:hiddenFill xmlns:a14="http://schemas.microsoft.com/office/drawing/2010/main" xmlns="">
+              <a14:hiddenFill xmlns="" xmlns:a14="http://schemas.microsoft.com/office/drawing/2010/main">
                 <a:solidFill>
                   <a:schemeClr val="accent1"/>
                 </a:solidFill>
               </a14:hiddenFill>
             </a:ext>
             <a:ext uri="{91240B29-F687-4f45-9708-019B960494DF}">
-              <a14:hiddenLine xmlns:a14="http://schemas.microsoft.com/office/drawing/2010/main" xmlns="" w="9525">
+              <a14:hiddenLine xmlns="" xmlns:a14="http://schemas.microsoft.com/office/drawing/2010/main" w="9525">
                 <a:solidFill>
                   <a:schemeClr val="tx1"/>
                 </a:solidFill>
@@ -9040,7 +9048,7 @@
               </a14:hiddenLine>
             </a:ext>
             <a:ext uri="{AF507438-7753-43e0-B8FC-AC1667EBCBE1}">
-              <a14:hiddenEffects xmlns:a14="http://schemas.microsoft.com/office/drawing/2010/main" xmlns="">
+              <a14:hiddenEffects xmlns="" xmlns:a14="http://schemas.microsoft.com/office/drawing/2010/main">
                 <a:effectLst>
                   <a:outerShdw blurRad="63500" dist="38099" dir="2700000" algn="ctr" rotWithShape="0">
                     <a:schemeClr val="bg2">
@@ -9122,14 +9130,14 @@
           <a:effectLst/>
           <a:extLst>
             <a:ext uri="{909E8E84-426E-40dd-AFC4-6F175D3DCCD1}">
-              <a14:hiddenFill xmlns:a14="http://schemas.microsoft.com/office/drawing/2010/main" xmlns="">
+              <a14:hiddenFill xmlns="" xmlns:a14="http://schemas.microsoft.com/office/drawing/2010/main">
                 <a:solidFill>
                   <a:schemeClr val="accent1"/>
                 </a:solidFill>
               </a14:hiddenFill>
             </a:ext>
             <a:ext uri="{91240B29-F687-4f45-9708-019B960494DF}">
-              <a14:hiddenLine xmlns:a14="http://schemas.microsoft.com/office/drawing/2010/main" xmlns="" w="9525">
+              <a14:hiddenLine xmlns="" xmlns:a14="http://schemas.microsoft.com/office/drawing/2010/main" w="9525">
                 <a:solidFill>
                   <a:schemeClr val="tx1"/>
                 </a:solidFill>
@@ -9139,7 +9147,7 @@
               </a14:hiddenLine>
             </a:ext>
             <a:ext uri="{AF507438-7753-43e0-B8FC-AC1667EBCBE1}">
-              <a14:hiddenEffects xmlns:a14="http://schemas.microsoft.com/office/drawing/2010/main" xmlns="">
+              <a14:hiddenEffects xmlns="" xmlns:a14="http://schemas.microsoft.com/office/drawing/2010/main">
                 <a:effectLst>
                   <a:outerShdw blurRad="63500" dist="38099" dir="2700000" algn="ctr" rotWithShape="0">
                     <a:schemeClr val="bg2">
@@ -9223,14 +9231,14 @@
           <a:effectLst/>
           <a:extLst>
             <a:ext uri="{909E8E84-426E-40dd-AFC4-6F175D3DCCD1}">
-              <a14:hiddenFill xmlns:a14="http://schemas.microsoft.com/office/drawing/2010/main" xmlns="">
+              <a14:hiddenFill xmlns="" xmlns:a14="http://schemas.microsoft.com/office/drawing/2010/main">
                 <a:solidFill>
                   <a:schemeClr val="accent1"/>
                 </a:solidFill>
               </a14:hiddenFill>
             </a:ext>
             <a:ext uri="{91240B29-F687-4f45-9708-019B960494DF}">
-              <a14:hiddenLine xmlns:a14="http://schemas.microsoft.com/office/drawing/2010/main" xmlns="" w="9525">
+              <a14:hiddenLine xmlns="" xmlns:a14="http://schemas.microsoft.com/office/drawing/2010/main" w="9525">
                 <a:solidFill>
                   <a:schemeClr val="tx1"/>
                 </a:solidFill>
@@ -9240,7 +9248,7 @@
               </a14:hiddenLine>
             </a:ext>
             <a:ext uri="{AF507438-7753-43e0-B8FC-AC1667EBCBE1}">
-              <a14:hiddenEffects xmlns:a14="http://schemas.microsoft.com/office/drawing/2010/main" xmlns="">
+              <a14:hiddenEffects xmlns="" xmlns:a14="http://schemas.microsoft.com/office/drawing/2010/main">
                 <a:effectLst>
                   <a:outerShdw blurRad="63500" dist="38099" dir="2700000" algn="ctr" rotWithShape="0">
                     <a:schemeClr val="bg2">
@@ -9322,14 +9330,14 @@
           <a:effectLst/>
           <a:extLst>
             <a:ext uri="{909E8E84-426E-40dd-AFC4-6F175D3DCCD1}">
-              <a14:hiddenFill xmlns:a14="http://schemas.microsoft.com/office/drawing/2010/main" xmlns="">
+              <a14:hiddenFill xmlns="" xmlns:a14="http://schemas.microsoft.com/office/drawing/2010/main">
                 <a:solidFill>
                   <a:schemeClr val="accent1"/>
                 </a:solidFill>
               </a14:hiddenFill>
             </a:ext>
             <a:ext uri="{91240B29-F687-4f45-9708-019B960494DF}">
-              <a14:hiddenLine xmlns:a14="http://schemas.microsoft.com/office/drawing/2010/main" xmlns="" w="9525">
+              <a14:hiddenLine xmlns="" xmlns:a14="http://schemas.microsoft.com/office/drawing/2010/main" w="9525">
                 <a:solidFill>
                   <a:schemeClr val="tx1"/>
                 </a:solidFill>
@@ -9339,7 +9347,7 @@
               </a14:hiddenLine>
             </a:ext>
             <a:ext uri="{AF507438-7753-43e0-B8FC-AC1667EBCBE1}">
-              <a14:hiddenEffects xmlns:a14="http://schemas.microsoft.com/office/drawing/2010/main" xmlns="">
+              <a14:hiddenEffects xmlns="" xmlns:a14="http://schemas.microsoft.com/office/drawing/2010/main">
                 <a:effectLst>
                   <a:outerShdw blurRad="63500" dist="38099" dir="2700000" algn="ctr" rotWithShape="0">
                     <a:schemeClr val="bg2">
@@ -9425,7 +9433,7 @@
           <a:effectLst/>
           <a:extLst>
             <a:ext uri="{91240B29-F687-4f45-9708-019B960494DF}">
-              <a14:hiddenLine xmlns:a14="http://schemas.microsoft.com/office/drawing/2010/main" xmlns="" w="9525">
+              <a14:hiddenLine xmlns="" xmlns:a14="http://schemas.microsoft.com/office/drawing/2010/main" w="9525">
                 <a:solidFill>
                   <a:schemeClr val="tx1"/>
                 </a:solidFill>
@@ -9435,7 +9443,7 @@
               </a14:hiddenLine>
             </a:ext>
             <a:ext uri="{AF507438-7753-43e0-B8FC-AC1667EBCBE1}">
-              <a14:hiddenEffects xmlns:a14="http://schemas.microsoft.com/office/drawing/2010/main" xmlns="">
+              <a14:hiddenEffects xmlns="" xmlns:a14="http://schemas.microsoft.com/office/drawing/2010/main">
                 <a:effectLst>
                   <a:outerShdw blurRad="63500" dist="38099" dir="2700000" algn="ctr" rotWithShape="0">
                     <a:schemeClr val="bg2">
@@ -9608,7 +9616,7 @@
           <a:effectLst/>
           <a:extLst>
             <a:ext uri="{91240B29-F687-4f45-9708-019B960494DF}">
-              <a14:hiddenLine xmlns:a14="http://schemas.microsoft.com/office/drawing/2010/main" xmlns="" w="9525">
+              <a14:hiddenLine xmlns="" xmlns:a14="http://schemas.microsoft.com/office/drawing/2010/main" w="9525">
                 <a:solidFill>
                   <a:schemeClr val="tx1"/>
                 </a:solidFill>
@@ -9618,7 +9626,7 @@
               </a14:hiddenLine>
             </a:ext>
             <a:ext uri="{AF507438-7753-43e0-B8FC-AC1667EBCBE1}">
-              <a14:hiddenEffects xmlns:a14="http://schemas.microsoft.com/office/drawing/2010/main" xmlns="">
+              <a14:hiddenEffects xmlns="" xmlns:a14="http://schemas.microsoft.com/office/drawing/2010/main">
                 <a:effectLst>
                   <a:outerShdw blurRad="63500" dist="38099" dir="2700000" algn="ctr" rotWithShape="0">
                     <a:schemeClr val="bg2">
@@ -9791,7 +9799,7 @@
           <a:effectLst/>
           <a:extLst>
             <a:ext uri="{91240B29-F687-4f45-9708-019B960494DF}">
-              <a14:hiddenLine xmlns:a14="http://schemas.microsoft.com/office/drawing/2010/main" xmlns="" w="9525">
+              <a14:hiddenLine xmlns="" xmlns:a14="http://schemas.microsoft.com/office/drawing/2010/main" w="9525">
                 <a:solidFill>
                   <a:schemeClr val="tx1"/>
                 </a:solidFill>
@@ -9801,7 +9809,7 @@
               </a14:hiddenLine>
             </a:ext>
             <a:ext uri="{AF507438-7753-43e0-B8FC-AC1667EBCBE1}">
-              <a14:hiddenEffects xmlns:a14="http://schemas.microsoft.com/office/drawing/2010/main" xmlns="">
+              <a14:hiddenEffects xmlns="" xmlns:a14="http://schemas.microsoft.com/office/drawing/2010/main">
                 <a:effectLst>
                   <a:outerShdw blurRad="63500" dist="38099" dir="2700000" algn="ctr" rotWithShape="0">
                     <a:schemeClr val="bg2">
@@ -10140,14 +10148,14 @@
           </a:ln>
           <a:extLst>
             <a:ext uri="{909E8E84-426E-40dd-AFC4-6F175D3DCCD1}">
-              <a14:hiddenFill xmlns:a14="http://schemas.microsoft.com/office/drawing/2010/main" xmlns="">
+              <a14:hiddenFill xmlns="" xmlns:a14="http://schemas.microsoft.com/office/drawing/2010/main">
                 <a:solidFill>
                   <a:srgbClr val="FFFFFF"/>
                 </a:solidFill>
               </a14:hiddenFill>
             </a:ext>
             <a:ext uri="{91240B29-F687-4f45-9708-019B960494DF}">
-              <a14:hiddenLine xmlns:a14="http://schemas.microsoft.com/office/drawing/2010/main" xmlns="" w="9525">
+              <a14:hiddenLine xmlns="" xmlns:a14="http://schemas.microsoft.com/office/drawing/2010/main" w="9525">
                 <a:solidFill>
                   <a:srgbClr val="000000"/>
                 </a:solidFill>
@@ -10200,14 +10208,14 @@
           </a:ln>
           <a:extLst>
             <a:ext uri="{909E8E84-426E-40dd-AFC4-6F175D3DCCD1}">
-              <a14:hiddenFill xmlns:a14="http://schemas.microsoft.com/office/drawing/2010/main" xmlns="">
+              <a14:hiddenFill xmlns="" xmlns:a14="http://schemas.microsoft.com/office/drawing/2010/main">
                 <a:solidFill>
                   <a:srgbClr val="FFFFFF"/>
                 </a:solidFill>
               </a14:hiddenFill>
             </a:ext>
             <a:ext uri="{91240B29-F687-4f45-9708-019B960494DF}">
-              <a14:hiddenLine xmlns:a14="http://schemas.microsoft.com/office/drawing/2010/main" xmlns="" w="9525">
+              <a14:hiddenLine xmlns="" xmlns:a14="http://schemas.microsoft.com/office/drawing/2010/main" w="9525">
                 <a:solidFill>
                   <a:srgbClr val="000000"/>
                 </a:solidFill>
@@ -10276,7 +10284,7 @@
               </a14:hiddenLine>
             </a:ext>
             <a:ext uri="{FAA26D3D-D897-4be2-8F04-BA451C77F1D7}">
-              <ma14:placeholderFlag xmlns:ma14="http://schemas.microsoft.com/office/mac/drawingml/2011/main" xmlns="" val="1"/>
+              <ma14:placeholderFlag xmlns="" xmlns:ma14="http://schemas.microsoft.com/office/mac/drawingml/2011/main" val="1"/>
             </a:ext>
           </a:extLst>
         </p:spPr>
@@ -10339,7 +10347,7 @@
               </a14:hiddenLine>
             </a:ext>
             <a:ext uri="{FAA26D3D-D897-4be2-8F04-BA451C77F1D7}">
-              <ma14:placeholderFlag xmlns:ma14="http://schemas.microsoft.com/office/mac/drawingml/2011/main" xmlns="" val="1"/>
+              <ma14:placeholderFlag xmlns="" xmlns:ma14="http://schemas.microsoft.com/office/mac/drawingml/2011/main" val="1"/>
             </a:ext>
           </a:extLst>
         </p:spPr>
@@ -10667,7 +10675,7 @@
           <a:graphicData uri="http://schemas.openxmlformats.org/presentationml/2006/ole">
             <mc:AlternateContent xmlns:mc="http://schemas.openxmlformats.org/markup-compatibility/2006">
               <mc:Choice xmlns:v="urn:schemas-microsoft-com:vml" Requires="v">
-                <p:oleObj spid="_x0000_s3085" name="Equation" r:id="rId3" imgW="1524000" imgH="203200" progId="Equation.3">
+                <p:oleObj spid="_x0000_s3091" name="Equation" r:id="rId3" imgW="1524000" imgH="203200" progId="Equation.3">
                   <p:embed/>
                 </p:oleObj>
               </mc:Choice>
@@ -10710,14 +10718,14 @@
                       <a:effectLst/>
                       <a:extLst>
                         <a:ext uri="{909E8E84-426E-40dd-AFC4-6F175D3DCCD1}">
-                          <a14:hiddenFill xmlns="" xmlns:a14="http://schemas.microsoft.com/office/drawing/2010/main">
+                          <a14:hiddenFill xmlns:a14="http://schemas.microsoft.com/office/drawing/2010/main" xmlns="">
                             <a:solidFill>
                               <a:schemeClr val="tx2"/>
                             </a:solidFill>
                           </a14:hiddenFill>
                         </a:ext>
                         <a:ext uri="{91240B29-F687-4f45-9708-019B960494DF}">
-                          <a14:hiddenLine xmlns="" xmlns:a14="http://schemas.microsoft.com/office/drawing/2010/main" w="9525">
+                          <a14:hiddenLine xmlns:a14="http://schemas.microsoft.com/office/drawing/2010/main" xmlns="" w="9525">
                             <a:solidFill>
                               <a:srgbClr val="000000"/>
                             </a:solidFill>
@@ -10727,7 +10735,7 @@
                           </a14:hiddenLine>
                         </a:ext>
                         <a:ext uri="{AF507438-7753-43e0-B8FC-AC1667EBCBE1}">
-                          <a14:hiddenEffects xmlns="" xmlns:a14="http://schemas.microsoft.com/office/drawing/2010/main">
+                          <a14:hiddenEffects xmlns:a14="http://schemas.microsoft.com/office/drawing/2010/main" xmlns="">
                             <a:effectLst>
                               <a:outerShdw blurRad="63500" dist="38099" dir="2700000" algn="ctr" rotWithShape="0">
                                 <a:srgbClr val="000000">
@@ -10985,7 +10993,7 @@
         <p:spPr/>
         <p:txBody>
           <a:bodyPr>
-            <a:normAutofit fontScale="92500" lnSpcReduction="10000"/>
+            <a:normAutofit fontScale="92500"/>
           </a:bodyPr>
           <a:lstStyle/>
           <a:p>
@@ -11023,21 +11031,13 @@
           <a:p>
             <a:r>
               <a:rPr lang="en-US" dirty="0"/>
-              <a:t>During corrosion at a particular spot on the surface of the object made of iron, oxidation takes place and that spot behaves as an anode</a:t>
-            </a:r>
-          </a:p>
-          <a:p>
-            <a:r>
-              <a:rPr lang="en-US" dirty="0"/>
-              <a:t>The electrons released at this anodic spot move through the metal and go to another spot on the metal and reduce oxygen at that spot in presence of H</a:t>
-            </a:r>
-            <a:r>
-              <a:rPr lang="en-US" baseline="30000" dirty="0"/>
-              <a:t>+</a:t>
-            </a:r>
-            <a:r>
-              <a:rPr lang="en-US" dirty="0"/>
-              <a:t>, which behaves as a cathode</a:t>
+              <a:t>During corrosion at a particular spot on the surface of the object, oxidation takes place and that spot behaves as an anode</a:t>
+            </a:r>
+          </a:p>
+          <a:p>
+            <a:r>
+              <a:rPr lang="en-US" dirty="0"/>
+              <a:t>The electrons released at this anodic spot move through the metal and go to another spot and reduce H, which behaves as a cathode</a:t>
             </a:r>
           </a:p>
           <a:p>
@@ -11108,7 +11108,7 @@
           <a:graphicData uri="http://schemas.openxmlformats.org/presentationml/2006/ole">
             <mc:AlternateContent xmlns:mc="http://schemas.openxmlformats.org/markup-compatibility/2006">
               <mc:Choice xmlns:v="urn:schemas-microsoft-com:vml" Requires="v">
-                <p:oleObj spid="_x0000_s4109" name="Equation" r:id="rId3" imgW="1524000" imgH="203200" progId="Equation.3">
+                <p:oleObj spid="_x0000_s4115" name="Equation" r:id="rId3" imgW="1524000" imgH="203200" progId="Equation.3">
                   <p:embed/>
                 </p:oleObj>
               </mc:Choice>
@@ -11157,14 +11157,14 @@
                       <a:effectLst/>
                       <a:extLst>
                         <a:ext uri="{909E8E84-426E-40dd-AFC4-6F175D3DCCD1}">
-                          <a14:hiddenFill xmlns="" xmlns:a14="http://schemas.microsoft.com/office/drawing/2010/main">
+                          <a14:hiddenFill xmlns:a14="http://schemas.microsoft.com/office/drawing/2010/main" xmlns="">
                             <a:solidFill>
                               <a:schemeClr val="tx2"/>
                             </a:solidFill>
                           </a14:hiddenFill>
                         </a:ext>
                         <a:ext uri="{91240B29-F687-4f45-9708-019B960494DF}">
-                          <a14:hiddenLine xmlns="" xmlns:a14="http://schemas.microsoft.com/office/drawing/2010/main" w="9525">
+                          <a14:hiddenLine xmlns:a14="http://schemas.microsoft.com/office/drawing/2010/main" xmlns="" w="9525">
                             <a:solidFill>
                               <a:srgbClr val="000000"/>
                             </a:solidFill>
@@ -11174,7 +11174,7 @@
                           </a14:hiddenLine>
                         </a:ext>
                         <a:ext uri="{AF507438-7753-43e0-B8FC-AC1667EBCBE1}">
-                          <a14:hiddenEffects xmlns="" xmlns:a14="http://schemas.microsoft.com/office/drawing/2010/main">
+                          <a14:hiddenEffects xmlns:a14="http://schemas.microsoft.com/office/drawing/2010/main" xmlns="">
                             <a:effectLst>
                               <a:outerShdw blurRad="63500" dist="38099" dir="2700000" algn="ctr" rotWithShape="0">
                                 <a:srgbClr val="000000">
@@ -13223,7 +13223,7 @@
         </p:spPr>
         <p:txBody>
           <a:bodyPr>
-            <a:normAutofit fontScale="92500" lnSpcReduction="10000"/>
+            <a:normAutofit fontScale="92500"/>
           </a:bodyPr>
           <a:lstStyle/>
           <a:p>
@@ -13249,27 +13249,20 @@
             <a:pPr lvl="1"/>
             <a:r>
               <a:rPr lang="en-US" dirty="0"/>
-              <a:t>Development of cracks in oxide</a:t>
+              <a:t>Additional ions in oxide</a:t>
             </a:r>
           </a:p>
           <a:p>
             <a:pPr lvl="1"/>
             <a:r>
               <a:rPr lang="en-US" dirty="0"/>
-              <a:t>Additional ions in oxide</a:t>
-            </a:r>
-          </a:p>
-          <a:p>
-            <a:pPr lvl="1"/>
-            <a:r>
-              <a:rPr lang="en-US" dirty="0"/>
               <a:t>Non-uniform electric field in oxide layer</a:t>
             </a:r>
           </a:p>
           <a:p>
             <a:r>
               <a:rPr lang="en-US" altLang="en-US" dirty="0"/>
-              <a:t>Once a nonhomogeneous electric field arises, the corrosion rate decreases to the sub-parabolic rate due to inhibition of transport of charged species.</a:t>
+              <a:t>Once a nonhomogeneous electric field arises, the corrosion rate decreases to the sub-parabolic rate due to inhibition of transport of charged species</a:t>
             </a:r>
           </a:p>
           <a:p>
@@ -13404,7 +13397,7 @@
           <a:p>
             <a:r>
               <a:rPr lang="en-US" dirty="0"/>
-              <a:t>Corrosion</a:t>
+              <a:t>Corrosion Quantified</a:t>
             </a:r>
           </a:p>
         </p:txBody>
@@ -13598,7 +13591,7 @@
           </a:ln>
           <a:extLst>
             <a:ext uri="{909E8E84-426E-40dd-AFC4-6F175D3DCCD1}">
-              <a14:hiddenFill xmlns:a14="http://schemas.microsoft.com/office/drawing/2010/main" xmlns="">
+              <a14:hiddenFill xmlns="" xmlns:a14="http://schemas.microsoft.com/office/drawing/2010/main">
                 <a:solidFill>
                   <a:srgbClr val="FFFFFF"/>
                 </a:solidFill>
@@ -13761,7 +13754,7 @@
           </a:ln>
           <a:extLst>
             <a:ext uri="{909E8E84-426E-40dd-AFC4-6F175D3DCCD1}">
-              <a14:hiddenFill xmlns:a14="http://schemas.microsoft.com/office/drawing/2010/main" xmlns="">
+              <a14:hiddenFill xmlns="" xmlns:a14="http://schemas.microsoft.com/office/drawing/2010/main">
                 <a:solidFill>
                   <a:srgbClr val="FFFFFF"/>
                 </a:solidFill>
